--- a/Best Buy.pptx
+++ b/Best Buy.pptx
@@ -8,10 +8,24 @@
     <p:sldId id="256" r:id="rId2"/>
     <p:sldId id="257" r:id="rId3"/>
     <p:sldId id="258" r:id="rId4"/>
-    <p:sldId id="259" r:id="rId5"/>
-    <p:sldId id="260" r:id="rId6"/>
-    <p:sldId id="261" r:id="rId7"/>
-    <p:sldId id="262" r:id="rId8"/>
+    <p:sldId id="276" r:id="rId5"/>
+    <p:sldId id="259" r:id="rId6"/>
+    <p:sldId id="260" r:id="rId7"/>
+    <p:sldId id="261" r:id="rId8"/>
+    <p:sldId id="262" r:id="rId9"/>
+    <p:sldId id="263" r:id="rId10"/>
+    <p:sldId id="264" r:id="rId11"/>
+    <p:sldId id="265" r:id="rId12"/>
+    <p:sldId id="266" r:id="rId13"/>
+    <p:sldId id="267" r:id="rId14"/>
+    <p:sldId id="275" r:id="rId15"/>
+    <p:sldId id="268" r:id="rId16"/>
+    <p:sldId id="269" r:id="rId17"/>
+    <p:sldId id="270" r:id="rId18"/>
+    <p:sldId id="271" r:id="rId19"/>
+    <p:sldId id="272" r:id="rId20"/>
+    <p:sldId id="274" r:id="rId21"/>
+    <p:sldId id="273" r:id="rId22"/>
   </p:sldIdLst>
   <p:sldSz cx="12192000" cy="6858000"/>
   <p:notesSz cx="6858000" cy="9144000"/>
@@ -3461,6 +3475,1502 @@
 </p:sld>
 </file>
 
+<file path=ppt/slides/slide10.xml><?xml version="1.0" encoding="utf-8"?>
+<p:sld xmlns:a="http://schemas.openxmlformats.org/drawingml/2006/main" xmlns:r="http://schemas.openxmlformats.org/officeDocument/2006/relationships" xmlns:p="http://schemas.openxmlformats.org/presentationml/2006/main">
+  <p:cSld>
+    <p:spTree>
+      <p:nvGrpSpPr>
+        <p:cNvPr id="1" name=""/>
+        <p:cNvGrpSpPr/>
+        <p:nvPr/>
+      </p:nvGrpSpPr>
+      <p:grpSpPr>
+        <a:xfrm>
+          <a:off x="0" y="0"/>
+          <a:ext cx="0" cy="0"/>
+          <a:chOff x="0" y="0"/>
+          <a:chExt cx="0" cy="0"/>
+        </a:xfrm>
+      </p:grpSpPr>
+      <p:sp>
+        <p:nvSpPr>
+          <p:cNvPr id="2" name="Title 1">
+            <a:extLst>
+              <a:ext uri="{FF2B5EF4-FFF2-40B4-BE49-F238E27FC236}">
+                <a16:creationId xmlns:a16="http://schemas.microsoft.com/office/drawing/2014/main" id="{B80DFD84-FBBF-447A-A6D7-9E344D683C26}"/>
+              </a:ext>
+            </a:extLst>
+          </p:cNvPr>
+          <p:cNvSpPr>
+            <a:spLocks noGrp="1"/>
+          </p:cNvSpPr>
+          <p:nvPr>
+            <p:ph type="title"/>
+          </p:nvPr>
+        </p:nvSpPr>
+        <p:spPr/>
+        <p:txBody>
+          <a:bodyPr/>
+          <a:lstStyle/>
+          <a:p>
+            <a:r>
+              <a:rPr lang="en-US" sz="5400" b="0" cap="none" spc="0" dirty="0">
+                <a:ln w="0"/>
+                <a:gradFill>
+                  <a:gsLst>
+                    <a:gs pos="0">
+                      <a:schemeClr val="accent5">
+                        <a:lumMod val="50000"/>
+                      </a:schemeClr>
+                    </a:gs>
+                    <a:gs pos="50000">
+                      <a:schemeClr val="accent5"/>
+                    </a:gs>
+                    <a:gs pos="100000">
+                      <a:schemeClr val="accent5">
+                        <a:lumMod val="60000"/>
+                        <a:lumOff val="40000"/>
+                      </a:schemeClr>
+                    </a:gs>
+                  </a:gsLst>
+                  <a:lin ang="5400000"/>
+                </a:gradFill>
+                <a:effectLst>
+                  <a:reflection blurRad="6350" stA="53000" endA="300" endPos="35500" dir="5400000" sy="-90000" algn="bl" rotWithShape="0"/>
+                </a:effectLst>
+              </a:rPr>
+              <a:t>Dataset</a:t>
+            </a:r>
+            <a:endParaRPr lang="en-IN" dirty="0"/>
+          </a:p>
+        </p:txBody>
+      </p:sp>
+      <p:sp>
+        <p:nvSpPr>
+          <p:cNvPr id="3" name="Content Placeholder 2">
+            <a:extLst>
+              <a:ext uri="{FF2B5EF4-FFF2-40B4-BE49-F238E27FC236}">
+                <a16:creationId xmlns:a16="http://schemas.microsoft.com/office/drawing/2014/main" id="{E0896200-39A1-4D49-88A9-22EEB53E787F}"/>
+              </a:ext>
+            </a:extLst>
+          </p:cNvPr>
+          <p:cNvSpPr>
+            <a:spLocks noGrp="1"/>
+          </p:cNvSpPr>
+          <p:nvPr>
+            <p:ph idx="1"/>
+          </p:nvPr>
+        </p:nvSpPr>
+        <p:spPr/>
+        <p:txBody>
+          <a:bodyPr/>
+          <a:lstStyle/>
+          <a:p>
+            <a:pPr marL="0" indent="0">
+              <a:buNone/>
+            </a:pPr>
+            <a:r>
+              <a:rPr lang="en-US" sz="2400" dirty="0"/>
+              <a:t>The final Dataset will look like this:</a:t>
+            </a:r>
+          </a:p>
+          <a:p>
+            <a:pPr marL="0" indent="0">
+              <a:buNone/>
+            </a:pPr>
+            <a:endParaRPr lang="en-IN" dirty="0"/>
+          </a:p>
+        </p:txBody>
+      </p:sp>
+      <p:pic>
+        <p:nvPicPr>
+          <p:cNvPr id="5" name="Picture 4">
+            <a:extLst>
+              <a:ext uri="{FF2B5EF4-FFF2-40B4-BE49-F238E27FC236}">
+                <a16:creationId xmlns:a16="http://schemas.microsoft.com/office/drawing/2014/main" id="{9978F797-4EB2-47A4-BD4C-88F0320135A7}"/>
+              </a:ext>
+            </a:extLst>
+          </p:cNvPr>
+          <p:cNvPicPr>
+            <a:picLocks noChangeAspect="1"/>
+          </p:cNvPicPr>
+          <p:nvPr/>
+        </p:nvPicPr>
+        <p:blipFill>
+          <a:blip r:embed="rId2"/>
+          <a:stretch>
+            <a:fillRect/>
+          </a:stretch>
+        </p:blipFill>
+        <p:spPr>
+          <a:xfrm>
+            <a:off x="381000" y="2713428"/>
+            <a:ext cx="11430000" cy="3779447"/>
+          </a:xfrm>
+          <a:prstGeom prst="rect">
+            <a:avLst/>
+          </a:prstGeom>
+        </p:spPr>
+      </p:pic>
+    </p:spTree>
+    <p:extLst>
+      <p:ext uri="{BB962C8B-B14F-4D97-AF65-F5344CB8AC3E}">
+        <p14:creationId xmlns:p14="http://schemas.microsoft.com/office/powerpoint/2010/main" val="1701268924"/>
+      </p:ext>
+    </p:extLst>
+  </p:cSld>
+  <p:clrMapOvr>
+    <a:masterClrMapping/>
+  </p:clrMapOvr>
+</p:sld>
+</file>
+
+<file path=ppt/slides/slide11.xml><?xml version="1.0" encoding="utf-8"?>
+<p:sld xmlns:a="http://schemas.openxmlformats.org/drawingml/2006/main" xmlns:r="http://schemas.openxmlformats.org/officeDocument/2006/relationships" xmlns:p="http://schemas.openxmlformats.org/presentationml/2006/main">
+  <p:cSld>
+    <p:spTree>
+      <p:nvGrpSpPr>
+        <p:cNvPr id="1" name=""/>
+        <p:cNvGrpSpPr/>
+        <p:nvPr/>
+      </p:nvGrpSpPr>
+      <p:grpSpPr>
+        <a:xfrm>
+          <a:off x="0" y="0"/>
+          <a:ext cx="0" cy="0"/>
+          <a:chOff x="0" y="0"/>
+          <a:chExt cx="0" cy="0"/>
+        </a:xfrm>
+      </p:grpSpPr>
+      <p:sp>
+        <p:nvSpPr>
+          <p:cNvPr id="2" name="Title 1">
+            <a:extLst>
+              <a:ext uri="{FF2B5EF4-FFF2-40B4-BE49-F238E27FC236}">
+                <a16:creationId xmlns:a16="http://schemas.microsoft.com/office/drawing/2014/main" id="{992DF6D1-A13D-42FC-8780-B51ACC69FE1D}"/>
+              </a:ext>
+            </a:extLst>
+          </p:cNvPr>
+          <p:cNvSpPr>
+            <a:spLocks noGrp="1"/>
+          </p:cNvSpPr>
+          <p:nvPr>
+            <p:ph type="title"/>
+          </p:nvPr>
+        </p:nvSpPr>
+        <p:spPr/>
+        <p:txBody>
+          <a:bodyPr/>
+          <a:lstStyle/>
+          <a:p>
+            <a:r>
+              <a:rPr lang="en-US" sz="5400" b="0" cap="none" spc="0" dirty="0">
+                <a:ln w="0"/>
+                <a:gradFill>
+                  <a:gsLst>
+                    <a:gs pos="0">
+                      <a:schemeClr val="accent5">
+                        <a:lumMod val="50000"/>
+                      </a:schemeClr>
+                    </a:gs>
+                    <a:gs pos="50000">
+                      <a:schemeClr val="accent5"/>
+                    </a:gs>
+                    <a:gs pos="100000">
+                      <a:schemeClr val="accent5">
+                        <a:lumMod val="60000"/>
+                        <a:lumOff val="40000"/>
+                      </a:schemeClr>
+                    </a:gs>
+                  </a:gsLst>
+                  <a:lin ang="5400000"/>
+                </a:gradFill>
+                <a:effectLst>
+                  <a:reflection blurRad="6350" stA="53000" endA="300" endPos="35500" dir="5400000" sy="-90000" algn="bl" rotWithShape="0"/>
+                </a:effectLst>
+              </a:rPr>
+              <a:t>MongoDB</a:t>
+            </a:r>
+            <a:endParaRPr lang="en-IN" dirty="0"/>
+          </a:p>
+        </p:txBody>
+      </p:sp>
+      <p:sp>
+        <p:nvSpPr>
+          <p:cNvPr id="3" name="Content Placeholder 2">
+            <a:extLst>
+              <a:ext uri="{FF2B5EF4-FFF2-40B4-BE49-F238E27FC236}">
+                <a16:creationId xmlns:a16="http://schemas.microsoft.com/office/drawing/2014/main" id="{C02E8DA7-2E7A-463B-99BF-3ABCD7E7153B}"/>
+              </a:ext>
+            </a:extLst>
+          </p:cNvPr>
+          <p:cNvSpPr>
+            <a:spLocks noGrp="1"/>
+          </p:cNvSpPr>
+          <p:nvPr>
+            <p:ph idx="1"/>
+          </p:nvPr>
+        </p:nvSpPr>
+        <p:spPr/>
+        <p:txBody>
+          <a:bodyPr>
+            <a:normAutofit/>
+          </a:bodyPr>
+          <a:lstStyle/>
+          <a:p>
+            <a:pPr marL="0" indent="0">
+              <a:buNone/>
+            </a:pPr>
+            <a:r>
+              <a:rPr lang="en-US" sz="2400" dirty="0"/>
+              <a:t>Since our data is in JSON format, I used  MongoDB to store the data in remote server called CleverCloud. </a:t>
+            </a:r>
+          </a:p>
+          <a:p>
+            <a:pPr marL="0" indent="0">
+              <a:buNone/>
+            </a:pPr>
+            <a:r>
+              <a:rPr lang="en-US" sz="2400" dirty="0"/>
+              <a:t>The data is further converted into a pandas data frame and for the the categorical variable we created the dummies.</a:t>
+            </a:r>
+            <a:endParaRPr lang="en-IN" sz="2400" dirty="0"/>
+          </a:p>
+        </p:txBody>
+      </p:sp>
+    </p:spTree>
+    <p:extLst>
+      <p:ext uri="{BB962C8B-B14F-4D97-AF65-F5344CB8AC3E}">
+        <p14:creationId xmlns:p14="http://schemas.microsoft.com/office/powerpoint/2010/main" val="3226221501"/>
+      </p:ext>
+    </p:extLst>
+  </p:cSld>
+  <p:clrMapOvr>
+    <a:masterClrMapping/>
+  </p:clrMapOvr>
+</p:sld>
+</file>
+
+<file path=ppt/slides/slide12.xml><?xml version="1.0" encoding="utf-8"?>
+<p:sld xmlns:a="http://schemas.openxmlformats.org/drawingml/2006/main" xmlns:r="http://schemas.openxmlformats.org/officeDocument/2006/relationships" xmlns:p="http://schemas.openxmlformats.org/presentationml/2006/main">
+  <p:cSld>
+    <p:spTree>
+      <p:nvGrpSpPr>
+        <p:cNvPr id="1" name=""/>
+        <p:cNvGrpSpPr/>
+        <p:nvPr/>
+      </p:nvGrpSpPr>
+      <p:grpSpPr>
+        <a:xfrm>
+          <a:off x="0" y="0"/>
+          <a:ext cx="0" cy="0"/>
+          <a:chOff x="0" y="0"/>
+          <a:chExt cx="0" cy="0"/>
+        </a:xfrm>
+      </p:grpSpPr>
+      <p:sp>
+        <p:nvSpPr>
+          <p:cNvPr id="3" name="Content Placeholder 2">
+            <a:extLst>
+              <a:ext uri="{FF2B5EF4-FFF2-40B4-BE49-F238E27FC236}">
+                <a16:creationId xmlns:a16="http://schemas.microsoft.com/office/drawing/2014/main" id="{0A45F899-06EC-4E05-ACBF-F00987D7373D}"/>
+              </a:ext>
+            </a:extLst>
+          </p:cNvPr>
+          <p:cNvSpPr>
+            <a:spLocks noGrp="1"/>
+          </p:cNvSpPr>
+          <p:nvPr>
+            <p:ph idx="1"/>
+          </p:nvPr>
+        </p:nvSpPr>
+        <p:spPr/>
+        <p:txBody>
+          <a:bodyPr>
+            <a:normAutofit/>
+          </a:bodyPr>
+          <a:lstStyle/>
+          <a:p>
+            <a:pPr marL="0" indent="0">
+              <a:buNone/>
+            </a:pPr>
+            <a:r>
+              <a:rPr lang="en-US" sz="2400" dirty="0"/>
+              <a:t>We also make use of Hadoop with the help of pyspark library we need to create a spark session connected with MongoDB.</a:t>
+            </a:r>
+            <a:r>
+              <a:rPr lang="en-IN" sz="2400" dirty="0"/>
+              <a:t> After creating the connection, we need to create the spark dataframe, since we are doing our machine modelling in spark. We will use the dataframe with the dummies of categorical variables.</a:t>
+            </a:r>
+            <a:endParaRPr lang="en-US" sz="2400" dirty="0"/>
+          </a:p>
+        </p:txBody>
+      </p:sp>
+      <p:sp>
+        <p:nvSpPr>
+          <p:cNvPr id="4" name="Rectangle 3">
+            <a:extLst>
+              <a:ext uri="{FF2B5EF4-FFF2-40B4-BE49-F238E27FC236}">
+                <a16:creationId xmlns:a16="http://schemas.microsoft.com/office/drawing/2014/main" id="{76AA8E13-2CDF-4CB3-911D-22EE9E121DE6}"/>
+              </a:ext>
+            </a:extLst>
+          </p:cNvPr>
+          <p:cNvSpPr/>
+          <p:nvPr/>
+        </p:nvSpPr>
+        <p:spPr>
+          <a:xfrm>
+            <a:off x="838200" y="548486"/>
+            <a:ext cx="1754006" cy="923330"/>
+          </a:xfrm>
+          <a:prstGeom prst="rect">
+            <a:avLst/>
+          </a:prstGeom>
+          <a:noFill/>
+        </p:spPr>
+        <p:txBody>
+          <a:bodyPr wrap="none" lIns="91440" tIns="45720" rIns="91440" bIns="45720">
+            <a:spAutoFit/>
+          </a:bodyPr>
+          <a:lstStyle/>
+          <a:p>
+            <a:pPr algn="ctr"/>
+            <a:r>
+              <a:rPr lang="en-US" sz="5400" b="0" cap="none" spc="0" dirty="0">
+                <a:ln w="0"/>
+                <a:gradFill>
+                  <a:gsLst>
+                    <a:gs pos="0">
+                      <a:schemeClr val="accent5">
+                        <a:lumMod val="50000"/>
+                      </a:schemeClr>
+                    </a:gs>
+                    <a:gs pos="50000">
+                      <a:schemeClr val="accent5"/>
+                    </a:gs>
+                    <a:gs pos="100000">
+                      <a:schemeClr val="accent5">
+                        <a:lumMod val="60000"/>
+                        <a:lumOff val="40000"/>
+                      </a:schemeClr>
+                    </a:gs>
+                  </a:gsLst>
+                  <a:lin ang="5400000"/>
+                </a:gradFill>
+                <a:effectLst>
+                  <a:reflection blurRad="6350" stA="53000" endA="300" endPos="35500" dir="5400000" sy="-90000" algn="bl" rotWithShape="0"/>
+                </a:effectLst>
+              </a:rPr>
+              <a:t>Spark</a:t>
+            </a:r>
+          </a:p>
+        </p:txBody>
+      </p:sp>
+    </p:spTree>
+    <p:extLst>
+      <p:ext uri="{BB962C8B-B14F-4D97-AF65-F5344CB8AC3E}">
+        <p14:creationId xmlns:p14="http://schemas.microsoft.com/office/powerpoint/2010/main" val="3126672415"/>
+      </p:ext>
+    </p:extLst>
+  </p:cSld>
+  <p:clrMapOvr>
+    <a:masterClrMapping/>
+  </p:clrMapOvr>
+</p:sld>
+</file>
+
+<file path=ppt/slides/slide13.xml><?xml version="1.0" encoding="utf-8"?>
+<p:sld xmlns:a="http://schemas.openxmlformats.org/drawingml/2006/main" xmlns:r="http://schemas.openxmlformats.org/officeDocument/2006/relationships" xmlns:p="http://schemas.openxmlformats.org/presentationml/2006/main">
+  <p:cSld>
+    <p:spTree>
+      <p:nvGrpSpPr>
+        <p:cNvPr id="1" name=""/>
+        <p:cNvGrpSpPr/>
+        <p:nvPr/>
+      </p:nvGrpSpPr>
+      <p:grpSpPr>
+        <a:xfrm>
+          <a:off x="0" y="0"/>
+          <a:ext cx="0" cy="0"/>
+          <a:chOff x="0" y="0"/>
+          <a:chExt cx="0" cy="0"/>
+        </a:xfrm>
+      </p:grpSpPr>
+      <p:sp>
+        <p:nvSpPr>
+          <p:cNvPr id="2" name="Title 1">
+            <a:extLst>
+              <a:ext uri="{FF2B5EF4-FFF2-40B4-BE49-F238E27FC236}">
+                <a16:creationId xmlns:a16="http://schemas.microsoft.com/office/drawing/2014/main" id="{CE186FBB-28C3-4572-8800-A2D9A5D17B05}"/>
+              </a:ext>
+            </a:extLst>
+          </p:cNvPr>
+          <p:cNvSpPr>
+            <a:spLocks noGrp="1"/>
+          </p:cNvSpPr>
+          <p:nvPr>
+            <p:ph type="title"/>
+          </p:nvPr>
+        </p:nvSpPr>
+        <p:spPr/>
+        <p:txBody>
+          <a:bodyPr/>
+          <a:lstStyle/>
+          <a:p>
+            <a:r>
+              <a:rPr lang="en-US" sz="5400" b="1" cap="none" spc="0" dirty="0">
+                <a:ln w="0"/>
+                <a:gradFill>
+                  <a:gsLst>
+                    <a:gs pos="0">
+                      <a:schemeClr val="accent5">
+                        <a:lumMod val="50000"/>
+                      </a:schemeClr>
+                    </a:gs>
+                    <a:gs pos="50000">
+                      <a:schemeClr val="accent5"/>
+                    </a:gs>
+                    <a:gs pos="100000">
+                      <a:schemeClr val="accent5">
+                        <a:lumMod val="60000"/>
+                        <a:lumOff val="40000"/>
+                      </a:schemeClr>
+                    </a:gs>
+                  </a:gsLst>
+                  <a:lin ang="5400000"/>
+                </a:gradFill>
+                <a:effectLst>
+                  <a:reflection blurRad="6350" stA="53000" endA="300" endPos="35500" dir="5400000" sy="-90000" algn="bl" rotWithShape="0"/>
+                </a:effectLst>
+              </a:rPr>
+              <a:t>Model</a:t>
+            </a:r>
+            <a:endParaRPr lang="en-IN" b="1" dirty="0"/>
+          </a:p>
+        </p:txBody>
+      </p:sp>
+      <p:sp>
+        <p:nvSpPr>
+          <p:cNvPr id="3" name="Content Placeholder 2">
+            <a:extLst>
+              <a:ext uri="{FF2B5EF4-FFF2-40B4-BE49-F238E27FC236}">
+                <a16:creationId xmlns:a16="http://schemas.microsoft.com/office/drawing/2014/main" id="{0BAA7CC0-2549-4DA3-822B-B839E662D533}"/>
+              </a:ext>
+            </a:extLst>
+          </p:cNvPr>
+          <p:cNvSpPr>
+            <a:spLocks noGrp="1"/>
+          </p:cNvSpPr>
+          <p:nvPr>
+            <p:ph idx="1"/>
+          </p:nvPr>
+        </p:nvSpPr>
+        <p:spPr/>
+        <p:txBody>
+          <a:bodyPr>
+            <a:normAutofit/>
+          </a:bodyPr>
+          <a:lstStyle/>
+          <a:p>
+            <a:pPr marL="0" indent="0">
+              <a:buNone/>
+            </a:pPr>
+            <a:r>
+              <a:rPr lang="en-US" sz="2400" dirty="0"/>
+              <a:t>Now we will create the model but first we have to create </a:t>
+            </a:r>
+            <a:r>
+              <a:rPr lang="en-US" sz="2400" b="1" dirty="0"/>
+              <a:t>Vector Assembler </a:t>
+            </a:r>
+          </a:p>
+          <a:p>
+            <a:pPr marL="0" indent="0">
+              <a:buNone/>
+            </a:pPr>
+            <a:r>
+              <a:rPr lang="en-US" sz="2400" dirty="0"/>
+              <a:t>Vector Assembler is a transformer that combines a given list of columns into a single vector column. It is useful for combining raw features and features generated by different feature transformers into a single feature vector, in order to train ML models. We will input all the features based on which we predict the Sale price of product.</a:t>
+            </a:r>
+            <a:endParaRPr lang="en-IN" sz="2400" dirty="0"/>
+          </a:p>
+        </p:txBody>
+      </p:sp>
+      <p:pic>
+        <p:nvPicPr>
+          <p:cNvPr id="5" name="Picture 4">
+            <a:extLst>
+              <a:ext uri="{FF2B5EF4-FFF2-40B4-BE49-F238E27FC236}">
+                <a16:creationId xmlns:a16="http://schemas.microsoft.com/office/drawing/2014/main" id="{F1742BE3-D479-4D60-82E5-51D408EFC278}"/>
+              </a:ext>
+            </a:extLst>
+          </p:cNvPr>
+          <p:cNvPicPr>
+            <a:picLocks noChangeAspect="1"/>
+          </p:cNvPicPr>
+          <p:nvPr/>
+        </p:nvPicPr>
+        <p:blipFill>
+          <a:blip r:embed="rId2"/>
+          <a:stretch>
+            <a:fillRect/>
+          </a:stretch>
+        </p:blipFill>
+        <p:spPr>
+          <a:xfrm>
+            <a:off x="1482382" y="4428749"/>
+            <a:ext cx="8002117" cy="752580"/>
+          </a:xfrm>
+          <a:prstGeom prst="rect">
+            <a:avLst/>
+          </a:prstGeom>
+        </p:spPr>
+      </p:pic>
+    </p:spTree>
+    <p:extLst>
+      <p:ext uri="{BB962C8B-B14F-4D97-AF65-F5344CB8AC3E}">
+        <p14:creationId xmlns:p14="http://schemas.microsoft.com/office/powerpoint/2010/main" val="1786246871"/>
+      </p:ext>
+    </p:extLst>
+  </p:cSld>
+  <p:clrMapOvr>
+    <a:masterClrMapping/>
+  </p:clrMapOvr>
+</p:sld>
+</file>
+
+<file path=ppt/slides/slide14.xml><?xml version="1.0" encoding="utf-8"?>
+<p:sld xmlns:a="http://schemas.openxmlformats.org/drawingml/2006/main" xmlns:r="http://schemas.openxmlformats.org/officeDocument/2006/relationships" xmlns:p="http://schemas.openxmlformats.org/presentationml/2006/main">
+  <p:cSld>
+    <p:spTree>
+      <p:nvGrpSpPr>
+        <p:cNvPr id="1" name=""/>
+        <p:cNvGrpSpPr/>
+        <p:nvPr/>
+      </p:nvGrpSpPr>
+      <p:grpSpPr>
+        <a:xfrm>
+          <a:off x="0" y="0"/>
+          <a:ext cx="0" cy="0"/>
+          <a:chOff x="0" y="0"/>
+          <a:chExt cx="0" cy="0"/>
+        </a:xfrm>
+      </p:grpSpPr>
+      <p:sp>
+        <p:nvSpPr>
+          <p:cNvPr id="2" name="Title 1">
+            <a:extLst>
+              <a:ext uri="{FF2B5EF4-FFF2-40B4-BE49-F238E27FC236}">
+                <a16:creationId xmlns:a16="http://schemas.microsoft.com/office/drawing/2014/main" id="{CE186FBB-28C3-4572-8800-A2D9A5D17B05}"/>
+              </a:ext>
+            </a:extLst>
+          </p:cNvPr>
+          <p:cNvSpPr>
+            <a:spLocks noGrp="1"/>
+          </p:cNvSpPr>
+          <p:nvPr>
+            <p:ph type="title"/>
+          </p:nvPr>
+        </p:nvSpPr>
+        <p:spPr/>
+        <p:txBody>
+          <a:bodyPr/>
+          <a:lstStyle/>
+          <a:p>
+            <a:r>
+              <a:rPr lang="en-US" sz="5400" b="1" cap="none" spc="0" dirty="0">
+                <a:ln w="0"/>
+                <a:gradFill>
+                  <a:gsLst>
+                    <a:gs pos="0">
+                      <a:schemeClr val="accent5">
+                        <a:lumMod val="50000"/>
+                      </a:schemeClr>
+                    </a:gs>
+                    <a:gs pos="50000">
+                      <a:schemeClr val="accent5"/>
+                    </a:gs>
+                    <a:gs pos="100000">
+                      <a:schemeClr val="accent5">
+                        <a:lumMod val="60000"/>
+                        <a:lumOff val="40000"/>
+                      </a:schemeClr>
+                    </a:gs>
+                  </a:gsLst>
+                  <a:lin ang="5400000"/>
+                </a:gradFill>
+                <a:effectLst>
+                  <a:reflection blurRad="6350" stA="53000" endA="300" endPos="35500" dir="5400000" sy="-90000" algn="bl" rotWithShape="0"/>
+                </a:effectLst>
+              </a:rPr>
+              <a:t>Model</a:t>
+            </a:r>
+            <a:endParaRPr lang="en-IN" b="1" dirty="0"/>
+          </a:p>
+        </p:txBody>
+      </p:sp>
+      <p:sp>
+        <p:nvSpPr>
+          <p:cNvPr id="3" name="Content Placeholder 2">
+            <a:extLst>
+              <a:ext uri="{FF2B5EF4-FFF2-40B4-BE49-F238E27FC236}">
+                <a16:creationId xmlns:a16="http://schemas.microsoft.com/office/drawing/2014/main" id="{0BAA7CC0-2549-4DA3-822B-B839E662D533}"/>
+              </a:ext>
+            </a:extLst>
+          </p:cNvPr>
+          <p:cNvSpPr>
+            <a:spLocks noGrp="1"/>
+          </p:cNvSpPr>
+          <p:nvPr>
+            <p:ph idx="1"/>
+          </p:nvPr>
+        </p:nvSpPr>
+        <p:spPr/>
+        <p:txBody>
+          <a:bodyPr>
+            <a:normAutofit/>
+          </a:bodyPr>
+          <a:lstStyle/>
+          <a:p>
+            <a:pPr marL="0" indent="0">
+              <a:buNone/>
+            </a:pPr>
+            <a:r>
+              <a:rPr lang="en-US" sz="2400" dirty="0"/>
+              <a:t>After we are done with Vector Assembler, we need to split our data into train and test datasets so that we can built our model on the test data and use model to predict the test data score. We split our data into 70:30 ratio.</a:t>
+            </a:r>
+          </a:p>
+        </p:txBody>
+      </p:sp>
+      <p:pic>
+        <p:nvPicPr>
+          <p:cNvPr id="6" name="Picture 5">
+            <a:extLst>
+              <a:ext uri="{FF2B5EF4-FFF2-40B4-BE49-F238E27FC236}">
+                <a16:creationId xmlns:a16="http://schemas.microsoft.com/office/drawing/2014/main" id="{1A7840D8-7332-422A-AE71-A59ACB405559}"/>
+              </a:ext>
+            </a:extLst>
+          </p:cNvPr>
+          <p:cNvPicPr>
+            <a:picLocks noChangeAspect="1"/>
+          </p:cNvPicPr>
+          <p:nvPr/>
+        </p:nvPicPr>
+        <p:blipFill>
+          <a:blip r:embed="rId2"/>
+          <a:stretch>
+            <a:fillRect/>
+          </a:stretch>
+        </p:blipFill>
+        <p:spPr>
+          <a:xfrm>
+            <a:off x="2298839" y="3000375"/>
+            <a:ext cx="7594321" cy="3743325"/>
+          </a:xfrm>
+          <a:prstGeom prst="rect">
+            <a:avLst/>
+          </a:prstGeom>
+        </p:spPr>
+      </p:pic>
+    </p:spTree>
+    <p:extLst>
+      <p:ext uri="{BB962C8B-B14F-4D97-AF65-F5344CB8AC3E}">
+        <p14:creationId xmlns:p14="http://schemas.microsoft.com/office/powerpoint/2010/main" val="1248789997"/>
+      </p:ext>
+    </p:extLst>
+  </p:cSld>
+  <p:clrMapOvr>
+    <a:masterClrMapping/>
+  </p:clrMapOvr>
+</p:sld>
+</file>
+
+<file path=ppt/slides/slide15.xml><?xml version="1.0" encoding="utf-8"?>
+<p:sld xmlns:a="http://schemas.openxmlformats.org/drawingml/2006/main" xmlns:r="http://schemas.openxmlformats.org/officeDocument/2006/relationships" xmlns:p="http://schemas.openxmlformats.org/presentationml/2006/main">
+  <p:cSld>
+    <p:spTree>
+      <p:nvGrpSpPr>
+        <p:cNvPr id="1" name=""/>
+        <p:cNvGrpSpPr/>
+        <p:nvPr/>
+      </p:nvGrpSpPr>
+      <p:grpSpPr>
+        <a:xfrm>
+          <a:off x="0" y="0"/>
+          <a:ext cx="0" cy="0"/>
+          <a:chOff x="0" y="0"/>
+          <a:chExt cx="0" cy="0"/>
+        </a:xfrm>
+      </p:grpSpPr>
+      <p:sp>
+        <p:nvSpPr>
+          <p:cNvPr id="2" name="Title 1">
+            <a:extLst>
+              <a:ext uri="{FF2B5EF4-FFF2-40B4-BE49-F238E27FC236}">
+                <a16:creationId xmlns:a16="http://schemas.microsoft.com/office/drawing/2014/main" id="{1590A5CD-5D91-4CBB-95D0-DFC8471F2EC0}"/>
+              </a:ext>
+            </a:extLst>
+          </p:cNvPr>
+          <p:cNvSpPr>
+            <a:spLocks noGrp="1"/>
+          </p:cNvSpPr>
+          <p:nvPr>
+            <p:ph type="title"/>
+          </p:nvPr>
+        </p:nvSpPr>
+        <p:spPr/>
+        <p:txBody>
+          <a:bodyPr/>
+          <a:lstStyle/>
+          <a:p>
+            <a:r>
+              <a:rPr lang="en-US" sz="5400" b="1" cap="none" spc="0" dirty="0">
+                <a:ln w="0"/>
+                <a:gradFill>
+                  <a:gsLst>
+                    <a:gs pos="0">
+                      <a:schemeClr val="accent5">
+                        <a:lumMod val="50000"/>
+                      </a:schemeClr>
+                    </a:gs>
+                    <a:gs pos="50000">
+                      <a:schemeClr val="accent5"/>
+                    </a:gs>
+                    <a:gs pos="100000">
+                      <a:schemeClr val="accent5">
+                        <a:lumMod val="60000"/>
+                        <a:lumOff val="40000"/>
+                      </a:schemeClr>
+                    </a:gs>
+                  </a:gsLst>
+                  <a:lin ang="5400000"/>
+                </a:gradFill>
+                <a:effectLst>
+                  <a:reflection blurRad="6350" stA="53000" endA="300" endPos="35500" dir="5400000" sy="-90000" algn="bl" rotWithShape="0"/>
+                </a:effectLst>
+              </a:rPr>
+              <a:t>Model</a:t>
+            </a:r>
+            <a:endParaRPr lang="en-IN" dirty="0"/>
+          </a:p>
+        </p:txBody>
+      </p:sp>
+      <p:sp>
+        <p:nvSpPr>
+          <p:cNvPr id="3" name="Content Placeholder 2">
+            <a:extLst>
+              <a:ext uri="{FF2B5EF4-FFF2-40B4-BE49-F238E27FC236}">
+                <a16:creationId xmlns:a16="http://schemas.microsoft.com/office/drawing/2014/main" id="{1E33858D-68B2-4060-A351-2F78A4C4A4BA}"/>
+              </a:ext>
+            </a:extLst>
+          </p:cNvPr>
+          <p:cNvSpPr>
+            <a:spLocks noGrp="1"/>
+          </p:cNvSpPr>
+          <p:nvPr>
+            <p:ph idx="1"/>
+          </p:nvPr>
+        </p:nvSpPr>
+        <p:spPr/>
+        <p:txBody>
+          <a:bodyPr/>
+          <a:lstStyle/>
+          <a:p>
+            <a:pPr marL="0" indent="0">
+              <a:buNone/>
+            </a:pPr>
+            <a:r>
+              <a:rPr lang="en-US" dirty="0"/>
+              <a:t> </a:t>
+            </a:r>
+            <a:r>
+              <a:rPr lang="en-US" sz="2400" dirty="0"/>
+              <a:t>Our first model is a </a:t>
+            </a:r>
+            <a:r>
+              <a:rPr lang="en-US" sz="2400" b="1" dirty="0"/>
+              <a:t>Linear Regression </a:t>
+            </a:r>
+            <a:r>
+              <a:rPr lang="en-US" sz="2400" dirty="0"/>
+              <a:t>model in which we will feed the feature we get from Vector Assembler and predict the Sales Price </a:t>
+            </a:r>
+          </a:p>
+          <a:p>
+            <a:pPr marL="0" indent="0">
+              <a:buNone/>
+            </a:pPr>
+            <a:r>
+              <a:rPr lang="en-US" sz="2400" dirty="0"/>
+              <a:t>We also get the coefficient and intercept values so we can see what is affecting Sales Price more.</a:t>
+            </a:r>
+          </a:p>
+          <a:p>
+            <a:pPr marL="0" indent="0">
+              <a:buNone/>
+            </a:pPr>
+            <a:endParaRPr lang="en-IN" dirty="0"/>
+          </a:p>
+        </p:txBody>
+      </p:sp>
+      <p:pic>
+        <p:nvPicPr>
+          <p:cNvPr id="5" name="Picture 4">
+            <a:extLst>
+              <a:ext uri="{FF2B5EF4-FFF2-40B4-BE49-F238E27FC236}">
+                <a16:creationId xmlns:a16="http://schemas.microsoft.com/office/drawing/2014/main" id="{47CBB4A3-F33C-4C1D-A0BD-0341563D91AE}"/>
+              </a:ext>
+            </a:extLst>
+          </p:cNvPr>
+          <p:cNvPicPr>
+            <a:picLocks noChangeAspect="1"/>
+          </p:cNvPicPr>
+          <p:nvPr/>
+        </p:nvPicPr>
+        <p:blipFill>
+          <a:blip r:embed="rId2"/>
+          <a:stretch>
+            <a:fillRect/>
+          </a:stretch>
+        </p:blipFill>
+        <p:spPr>
+          <a:xfrm>
+            <a:off x="838200" y="3648988"/>
+            <a:ext cx="10782300" cy="1503123"/>
+          </a:xfrm>
+          <a:prstGeom prst="rect">
+            <a:avLst/>
+          </a:prstGeom>
+        </p:spPr>
+      </p:pic>
+    </p:spTree>
+    <p:extLst>
+      <p:ext uri="{BB962C8B-B14F-4D97-AF65-F5344CB8AC3E}">
+        <p14:creationId xmlns:p14="http://schemas.microsoft.com/office/powerpoint/2010/main" val="1498607402"/>
+      </p:ext>
+    </p:extLst>
+  </p:cSld>
+  <p:clrMapOvr>
+    <a:masterClrMapping/>
+  </p:clrMapOvr>
+</p:sld>
+</file>
+
+<file path=ppt/slides/slide16.xml><?xml version="1.0" encoding="utf-8"?>
+<p:sld xmlns:a="http://schemas.openxmlformats.org/drawingml/2006/main" xmlns:r="http://schemas.openxmlformats.org/officeDocument/2006/relationships" xmlns:p="http://schemas.openxmlformats.org/presentationml/2006/main">
+  <p:cSld>
+    <p:spTree>
+      <p:nvGrpSpPr>
+        <p:cNvPr id="1" name=""/>
+        <p:cNvGrpSpPr/>
+        <p:nvPr/>
+      </p:nvGrpSpPr>
+      <p:grpSpPr>
+        <a:xfrm>
+          <a:off x="0" y="0"/>
+          <a:ext cx="0" cy="0"/>
+          <a:chOff x="0" y="0"/>
+          <a:chExt cx="0" cy="0"/>
+        </a:xfrm>
+      </p:grpSpPr>
+      <p:sp>
+        <p:nvSpPr>
+          <p:cNvPr id="2" name="Title 1">
+            <a:extLst>
+              <a:ext uri="{FF2B5EF4-FFF2-40B4-BE49-F238E27FC236}">
+                <a16:creationId xmlns:a16="http://schemas.microsoft.com/office/drawing/2014/main" id="{5904166F-449D-4167-B859-24B6888D9018}"/>
+              </a:ext>
+            </a:extLst>
+          </p:cNvPr>
+          <p:cNvSpPr>
+            <a:spLocks noGrp="1"/>
+          </p:cNvSpPr>
+          <p:nvPr>
+            <p:ph type="title"/>
+          </p:nvPr>
+        </p:nvSpPr>
+        <p:spPr/>
+        <p:txBody>
+          <a:bodyPr/>
+          <a:lstStyle/>
+          <a:p>
+            <a:r>
+              <a:rPr lang="en-US" sz="5400" b="1" cap="none" spc="0" dirty="0">
+                <a:ln w="0"/>
+                <a:gradFill>
+                  <a:gsLst>
+                    <a:gs pos="0">
+                      <a:schemeClr val="accent5">
+                        <a:lumMod val="50000"/>
+                      </a:schemeClr>
+                    </a:gs>
+                    <a:gs pos="50000">
+                      <a:schemeClr val="accent5"/>
+                    </a:gs>
+                    <a:gs pos="100000">
+                      <a:schemeClr val="accent5">
+                        <a:lumMod val="60000"/>
+                        <a:lumOff val="40000"/>
+                      </a:schemeClr>
+                    </a:gs>
+                  </a:gsLst>
+                  <a:lin ang="5400000"/>
+                </a:gradFill>
+                <a:effectLst>
+                  <a:reflection blurRad="6350" stA="53000" endA="300" endPos="35500" dir="5400000" sy="-90000" algn="bl" rotWithShape="0"/>
+                </a:effectLst>
+              </a:rPr>
+              <a:t>Model</a:t>
+            </a:r>
+            <a:endParaRPr lang="en-IN" dirty="0"/>
+          </a:p>
+        </p:txBody>
+      </p:sp>
+      <p:sp>
+        <p:nvSpPr>
+          <p:cNvPr id="3" name="Content Placeholder 2">
+            <a:extLst>
+              <a:ext uri="{FF2B5EF4-FFF2-40B4-BE49-F238E27FC236}">
+                <a16:creationId xmlns:a16="http://schemas.microsoft.com/office/drawing/2014/main" id="{4CCEC875-D039-432C-859D-E850E7702EDD}"/>
+              </a:ext>
+            </a:extLst>
+          </p:cNvPr>
+          <p:cNvSpPr>
+            <a:spLocks noGrp="1"/>
+          </p:cNvSpPr>
+          <p:nvPr>
+            <p:ph idx="1"/>
+          </p:nvPr>
+        </p:nvSpPr>
+        <p:spPr/>
+        <p:txBody>
+          <a:bodyPr/>
+          <a:lstStyle/>
+          <a:p>
+            <a:pPr marL="0" indent="0">
+              <a:buNone/>
+            </a:pPr>
+            <a:r>
+              <a:rPr lang="en-US" dirty="0"/>
+              <a:t>To see how goodness of fit of our model we will find RMSE score for the model, which is 147.55. Although we can’t say the model is giving good result.</a:t>
+            </a:r>
+            <a:endParaRPr lang="en-IN" dirty="0"/>
+          </a:p>
+        </p:txBody>
+      </p:sp>
+      <p:pic>
+        <p:nvPicPr>
+          <p:cNvPr id="5" name="Picture 4">
+            <a:extLst>
+              <a:ext uri="{FF2B5EF4-FFF2-40B4-BE49-F238E27FC236}">
+                <a16:creationId xmlns:a16="http://schemas.microsoft.com/office/drawing/2014/main" id="{273D0AB3-8B02-4D9E-81C4-6D75A5AB30B4}"/>
+              </a:ext>
+            </a:extLst>
+          </p:cNvPr>
+          <p:cNvPicPr>
+            <a:picLocks noChangeAspect="1"/>
+          </p:cNvPicPr>
+          <p:nvPr/>
+        </p:nvPicPr>
+        <p:blipFill>
+          <a:blip r:embed="rId2"/>
+          <a:stretch>
+            <a:fillRect/>
+          </a:stretch>
+        </p:blipFill>
+        <p:spPr>
+          <a:xfrm>
+            <a:off x="292223" y="3862289"/>
+            <a:ext cx="11061577" cy="1867744"/>
+          </a:xfrm>
+          <a:prstGeom prst="rect">
+            <a:avLst/>
+          </a:prstGeom>
+        </p:spPr>
+      </p:pic>
+    </p:spTree>
+    <p:extLst>
+      <p:ext uri="{BB962C8B-B14F-4D97-AF65-F5344CB8AC3E}">
+        <p14:creationId xmlns:p14="http://schemas.microsoft.com/office/powerpoint/2010/main" val="711143139"/>
+      </p:ext>
+    </p:extLst>
+  </p:cSld>
+  <p:clrMapOvr>
+    <a:masterClrMapping/>
+  </p:clrMapOvr>
+</p:sld>
+</file>
+
+<file path=ppt/slides/slide17.xml><?xml version="1.0" encoding="utf-8"?>
+<p:sld xmlns:a="http://schemas.openxmlformats.org/drawingml/2006/main" xmlns:r="http://schemas.openxmlformats.org/officeDocument/2006/relationships" xmlns:p="http://schemas.openxmlformats.org/presentationml/2006/main">
+  <p:cSld>
+    <p:spTree>
+      <p:nvGrpSpPr>
+        <p:cNvPr id="1" name=""/>
+        <p:cNvGrpSpPr/>
+        <p:nvPr/>
+      </p:nvGrpSpPr>
+      <p:grpSpPr>
+        <a:xfrm>
+          <a:off x="0" y="0"/>
+          <a:ext cx="0" cy="0"/>
+          <a:chOff x="0" y="0"/>
+          <a:chExt cx="0" cy="0"/>
+        </a:xfrm>
+      </p:grpSpPr>
+      <p:sp>
+        <p:nvSpPr>
+          <p:cNvPr id="2" name="Title 1">
+            <a:extLst>
+              <a:ext uri="{FF2B5EF4-FFF2-40B4-BE49-F238E27FC236}">
+                <a16:creationId xmlns:a16="http://schemas.microsoft.com/office/drawing/2014/main" id="{1590A5CD-5D91-4CBB-95D0-DFC8471F2EC0}"/>
+              </a:ext>
+            </a:extLst>
+          </p:cNvPr>
+          <p:cNvSpPr>
+            <a:spLocks noGrp="1"/>
+          </p:cNvSpPr>
+          <p:nvPr>
+            <p:ph type="title"/>
+          </p:nvPr>
+        </p:nvSpPr>
+        <p:spPr/>
+        <p:txBody>
+          <a:bodyPr/>
+          <a:lstStyle/>
+          <a:p>
+            <a:r>
+              <a:rPr lang="en-US" sz="5400" b="1" cap="none" spc="0" dirty="0">
+                <a:ln w="0"/>
+                <a:gradFill>
+                  <a:gsLst>
+                    <a:gs pos="0">
+                      <a:schemeClr val="accent5">
+                        <a:lumMod val="50000"/>
+                      </a:schemeClr>
+                    </a:gs>
+                    <a:gs pos="50000">
+                      <a:schemeClr val="accent5"/>
+                    </a:gs>
+                    <a:gs pos="100000">
+                      <a:schemeClr val="accent5">
+                        <a:lumMod val="60000"/>
+                        <a:lumOff val="40000"/>
+                      </a:schemeClr>
+                    </a:gs>
+                  </a:gsLst>
+                  <a:lin ang="5400000"/>
+                </a:gradFill>
+                <a:effectLst>
+                  <a:reflection blurRad="6350" stA="53000" endA="300" endPos="35500" dir="5400000" sy="-90000" algn="bl" rotWithShape="0"/>
+                </a:effectLst>
+              </a:rPr>
+              <a:t>Model</a:t>
+            </a:r>
+            <a:endParaRPr lang="en-IN" dirty="0"/>
+          </a:p>
+        </p:txBody>
+      </p:sp>
+      <p:sp>
+        <p:nvSpPr>
+          <p:cNvPr id="3" name="Content Placeholder 2">
+            <a:extLst>
+              <a:ext uri="{FF2B5EF4-FFF2-40B4-BE49-F238E27FC236}">
+                <a16:creationId xmlns:a16="http://schemas.microsoft.com/office/drawing/2014/main" id="{1E33858D-68B2-4060-A351-2F78A4C4A4BA}"/>
+              </a:ext>
+            </a:extLst>
+          </p:cNvPr>
+          <p:cNvSpPr>
+            <a:spLocks noGrp="1"/>
+          </p:cNvSpPr>
+          <p:nvPr>
+            <p:ph idx="1"/>
+          </p:nvPr>
+        </p:nvSpPr>
+        <p:spPr/>
+        <p:txBody>
+          <a:bodyPr/>
+          <a:lstStyle/>
+          <a:p>
+            <a:pPr marL="0" indent="0">
+              <a:buNone/>
+            </a:pPr>
+            <a:r>
+              <a:rPr lang="en-US" sz="2400" dirty="0"/>
+              <a:t>The second  model is a </a:t>
+            </a:r>
+            <a:r>
+              <a:rPr lang="en-US" sz="2400" b="1" dirty="0"/>
+              <a:t>Random Forest Regressor </a:t>
+            </a:r>
+            <a:r>
+              <a:rPr lang="en-US" sz="2400" dirty="0"/>
+              <a:t>model again we will feed the feature we get from Vector Assembler and predict the Sales Price </a:t>
+            </a:r>
+          </a:p>
+          <a:p>
+            <a:pPr marL="0" indent="0">
+              <a:buNone/>
+            </a:pPr>
+            <a:r>
+              <a:rPr lang="en-US" sz="2400" dirty="0"/>
+              <a:t>We also get the feature importance of each variable so we can understand the important features.</a:t>
+            </a:r>
+          </a:p>
+          <a:p>
+            <a:pPr marL="0" indent="0">
+              <a:buNone/>
+            </a:pPr>
+            <a:endParaRPr lang="en-IN" dirty="0"/>
+          </a:p>
+        </p:txBody>
+      </p:sp>
+      <p:pic>
+        <p:nvPicPr>
+          <p:cNvPr id="6" name="Picture 5">
+            <a:extLst>
+              <a:ext uri="{FF2B5EF4-FFF2-40B4-BE49-F238E27FC236}">
+                <a16:creationId xmlns:a16="http://schemas.microsoft.com/office/drawing/2014/main" id="{0DE8945D-82EA-4689-B182-EA4625EBF4CD}"/>
+              </a:ext>
+            </a:extLst>
+          </p:cNvPr>
+          <p:cNvPicPr>
+            <a:picLocks noChangeAspect="1"/>
+          </p:cNvPicPr>
+          <p:nvPr/>
+        </p:nvPicPr>
+        <p:blipFill>
+          <a:blip r:embed="rId2"/>
+          <a:stretch>
+            <a:fillRect/>
+          </a:stretch>
+        </p:blipFill>
+        <p:spPr>
+          <a:xfrm>
+            <a:off x="609600" y="3710631"/>
+            <a:ext cx="10972800" cy="1379838"/>
+          </a:xfrm>
+          <a:prstGeom prst="rect">
+            <a:avLst/>
+          </a:prstGeom>
+        </p:spPr>
+      </p:pic>
+    </p:spTree>
+    <p:extLst>
+      <p:ext uri="{BB962C8B-B14F-4D97-AF65-F5344CB8AC3E}">
+        <p14:creationId xmlns:p14="http://schemas.microsoft.com/office/powerpoint/2010/main" val="3471964205"/>
+      </p:ext>
+    </p:extLst>
+  </p:cSld>
+  <p:clrMapOvr>
+    <a:masterClrMapping/>
+  </p:clrMapOvr>
+</p:sld>
+</file>
+
+<file path=ppt/slides/slide18.xml><?xml version="1.0" encoding="utf-8"?>
+<p:sld xmlns:a="http://schemas.openxmlformats.org/drawingml/2006/main" xmlns:r="http://schemas.openxmlformats.org/officeDocument/2006/relationships" xmlns:p="http://schemas.openxmlformats.org/presentationml/2006/main">
+  <p:cSld>
+    <p:spTree>
+      <p:nvGrpSpPr>
+        <p:cNvPr id="1" name=""/>
+        <p:cNvGrpSpPr/>
+        <p:nvPr/>
+      </p:nvGrpSpPr>
+      <p:grpSpPr>
+        <a:xfrm>
+          <a:off x="0" y="0"/>
+          <a:ext cx="0" cy="0"/>
+          <a:chOff x="0" y="0"/>
+          <a:chExt cx="0" cy="0"/>
+        </a:xfrm>
+      </p:grpSpPr>
+      <p:sp>
+        <p:nvSpPr>
+          <p:cNvPr id="2" name="Title 1">
+            <a:extLst>
+              <a:ext uri="{FF2B5EF4-FFF2-40B4-BE49-F238E27FC236}">
+                <a16:creationId xmlns:a16="http://schemas.microsoft.com/office/drawing/2014/main" id="{5904166F-449D-4167-B859-24B6888D9018}"/>
+              </a:ext>
+            </a:extLst>
+          </p:cNvPr>
+          <p:cNvSpPr>
+            <a:spLocks noGrp="1"/>
+          </p:cNvSpPr>
+          <p:nvPr>
+            <p:ph type="title"/>
+          </p:nvPr>
+        </p:nvSpPr>
+        <p:spPr/>
+        <p:txBody>
+          <a:bodyPr/>
+          <a:lstStyle/>
+          <a:p>
+            <a:r>
+              <a:rPr lang="en-US" sz="5400" b="1" cap="none" spc="0" dirty="0">
+                <a:ln w="0"/>
+                <a:gradFill>
+                  <a:gsLst>
+                    <a:gs pos="0">
+                      <a:schemeClr val="accent5">
+                        <a:lumMod val="50000"/>
+                      </a:schemeClr>
+                    </a:gs>
+                    <a:gs pos="50000">
+                      <a:schemeClr val="accent5"/>
+                    </a:gs>
+                    <a:gs pos="100000">
+                      <a:schemeClr val="accent5">
+                        <a:lumMod val="60000"/>
+                        <a:lumOff val="40000"/>
+                      </a:schemeClr>
+                    </a:gs>
+                  </a:gsLst>
+                  <a:lin ang="5400000"/>
+                </a:gradFill>
+                <a:effectLst>
+                  <a:reflection blurRad="6350" stA="53000" endA="300" endPos="35500" dir="5400000" sy="-90000" algn="bl" rotWithShape="0"/>
+                </a:effectLst>
+              </a:rPr>
+              <a:t>Model</a:t>
+            </a:r>
+            <a:endParaRPr lang="en-IN" dirty="0"/>
+          </a:p>
+        </p:txBody>
+      </p:sp>
+      <p:sp>
+        <p:nvSpPr>
+          <p:cNvPr id="3" name="Content Placeholder 2">
+            <a:extLst>
+              <a:ext uri="{FF2B5EF4-FFF2-40B4-BE49-F238E27FC236}">
+                <a16:creationId xmlns:a16="http://schemas.microsoft.com/office/drawing/2014/main" id="{4CCEC875-D039-432C-859D-E850E7702EDD}"/>
+              </a:ext>
+            </a:extLst>
+          </p:cNvPr>
+          <p:cNvSpPr>
+            <a:spLocks noGrp="1"/>
+          </p:cNvSpPr>
+          <p:nvPr>
+            <p:ph idx="1"/>
+          </p:nvPr>
+        </p:nvSpPr>
+        <p:spPr/>
+        <p:txBody>
+          <a:bodyPr/>
+          <a:lstStyle/>
+          <a:p>
+            <a:pPr marL="0" indent="0">
+              <a:buNone/>
+            </a:pPr>
+            <a:r>
+              <a:rPr lang="en-US" dirty="0"/>
+              <a:t>We made the prediction on our test dataset </a:t>
+            </a:r>
+            <a:endParaRPr lang="en-IN" dirty="0"/>
+          </a:p>
+        </p:txBody>
+      </p:sp>
+      <p:pic>
+        <p:nvPicPr>
+          <p:cNvPr id="6" name="Picture 5">
+            <a:extLst>
+              <a:ext uri="{FF2B5EF4-FFF2-40B4-BE49-F238E27FC236}">
+                <a16:creationId xmlns:a16="http://schemas.microsoft.com/office/drawing/2014/main" id="{B9DA1D92-3ECB-4F8E-815F-79849955111A}"/>
+              </a:ext>
+            </a:extLst>
+          </p:cNvPr>
+          <p:cNvPicPr>
+            <a:picLocks noChangeAspect="1"/>
+          </p:cNvPicPr>
+          <p:nvPr/>
+        </p:nvPicPr>
+        <p:blipFill>
+          <a:blip r:embed="rId2"/>
+          <a:stretch>
+            <a:fillRect/>
+          </a:stretch>
+        </p:blipFill>
+        <p:spPr>
+          <a:xfrm>
+            <a:off x="1472444" y="3070280"/>
+            <a:ext cx="3991532" cy="1409897"/>
+          </a:xfrm>
+          <a:prstGeom prst="rect">
+            <a:avLst/>
+          </a:prstGeom>
+        </p:spPr>
+      </p:pic>
+    </p:spTree>
+    <p:extLst>
+      <p:ext uri="{BB962C8B-B14F-4D97-AF65-F5344CB8AC3E}">
+        <p14:creationId xmlns:p14="http://schemas.microsoft.com/office/powerpoint/2010/main" val="2092860659"/>
+      </p:ext>
+    </p:extLst>
+  </p:cSld>
+  <p:clrMapOvr>
+    <a:masterClrMapping/>
+  </p:clrMapOvr>
+</p:sld>
+</file>
+
+<file path=ppt/slides/slide19.xml><?xml version="1.0" encoding="utf-8"?>
+<p:sld xmlns:a="http://schemas.openxmlformats.org/drawingml/2006/main" xmlns:r="http://schemas.openxmlformats.org/officeDocument/2006/relationships" xmlns:p="http://schemas.openxmlformats.org/presentationml/2006/main">
+  <p:cSld>
+    <p:spTree>
+      <p:nvGrpSpPr>
+        <p:cNvPr id="1" name=""/>
+        <p:cNvGrpSpPr/>
+        <p:nvPr/>
+      </p:nvGrpSpPr>
+      <p:grpSpPr>
+        <a:xfrm>
+          <a:off x="0" y="0"/>
+          <a:ext cx="0" cy="0"/>
+          <a:chOff x="0" y="0"/>
+          <a:chExt cx="0" cy="0"/>
+        </a:xfrm>
+      </p:grpSpPr>
+      <p:sp>
+        <p:nvSpPr>
+          <p:cNvPr id="2" name="Title 1">
+            <a:extLst>
+              <a:ext uri="{FF2B5EF4-FFF2-40B4-BE49-F238E27FC236}">
+                <a16:creationId xmlns:a16="http://schemas.microsoft.com/office/drawing/2014/main" id="{1590A5CD-5D91-4CBB-95D0-DFC8471F2EC0}"/>
+              </a:ext>
+            </a:extLst>
+          </p:cNvPr>
+          <p:cNvSpPr>
+            <a:spLocks noGrp="1"/>
+          </p:cNvSpPr>
+          <p:nvPr>
+            <p:ph type="title"/>
+          </p:nvPr>
+        </p:nvSpPr>
+        <p:spPr/>
+        <p:txBody>
+          <a:bodyPr/>
+          <a:lstStyle/>
+          <a:p>
+            <a:r>
+              <a:rPr lang="en-US" sz="5400" b="1" cap="none" spc="0" dirty="0">
+                <a:ln w="0"/>
+                <a:gradFill>
+                  <a:gsLst>
+                    <a:gs pos="0">
+                      <a:schemeClr val="accent5">
+                        <a:lumMod val="50000"/>
+                      </a:schemeClr>
+                    </a:gs>
+                    <a:gs pos="50000">
+                      <a:schemeClr val="accent5"/>
+                    </a:gs>
+                    <a:gs pos="100000">
+                      <a:schemeClr val="accent5">
+                        <a:lumMod val="60000"/>
+                        <a:lumOff val="40000"/>
+                      </a:schemeClr>
+                    </a:gs>
+                  </a:gsLst>
+                  <a:lin ang="5400000"/>
+                </a:gradFill>
+                <a:effectLst>
+                  <a:reflection blurRad="6350" stA="53000" endA="300" endPos="35500" dir="5400000" sy="-90000" algn="bl" rotWithShape="0"/>
+                </a:effectLst>
+              </a:rPr>
+              <a:t>Model</a:t>
+            </a:r>
+            <a:endParaRPr lang="en-IN" dirty="0"/>
+          </a:p>
+        </p:txBody>
+      </p:sp>
+      <p:sp>
+        <p:nvSpPr>
+          <p:cNvPr id="3" name="Content Placeholder 2">
+            <a:extLst>
+              <a:ext uri="{FF2B5EF4-FFF2-40B4-BE49-F238E27FC236}">
+                <a16:creationId xmlns:a16="http://schemas.microsoft.com/office/drawing/2014/main" id="{1E33858D-68B2-4060-A351-2F78A4C4A4BA}"/>
+              </a:ext>
+            </a:extLst>
+          </p:cNvPr>
+          <p:cNvSpPr>
+            <a:spLocks noGrp="1"/>
+          </p:cNvSpPr>
+          <p:nvPr>
+            <p:ph idx="1"/>
+          </p:nvPr>
+        </p:nvSpPr>
+        <p:spPr/>
+        <p:txBody>
+          <a:bodyPr/>
+          <a:lstStyle/>
+          <a:p>
+            <a:pPr marL="0" indent="0">
+              <a:buNone/>
+            </a:pPr>
+            <a:r>
+              <a:rPr lang="en-US" sz="2400" dirty="0"/>
+              <a:t>The third model is a </a:t>
+            </a:r>
+            <a:r>
+              <a:rPr lang="en-US" sz="2400" b="1" dirty="0"/>
+              <a:t>Decision Tree Regressor </a:t>
+            </a:r>
+            <a:r>
+              <a:rPr lang="en-US" sz="2400" dirty="0"/>
+              <a:t>model. We also calculate the feature importance so we can look what is affecting Sales Price.</a:t>
+            </a:r>
+          </a:p>
+          <a:p>
+            <a:pPr marL="0" indent="0">
+              <a:buNone/>
+            </a:pPr>
+            <a:endParaRPr lang="en-IN" dirty="0"/>
+          </a:p>
+        </p:txBody>
+      </p:sp>
+      <p:pic>
+        <p:nvPicPr>
+          <p:cNvPr id="6" name="Picture 5">
+            <a:extLst>
+              <a:ext uri="{FF2B5EF4-FFF2-40B4-BE49-F238E27FC236}">
+                <a16:creationId xmlns:a16="http://schemas.microsoft.com/office/drawing/2014/main" id="{E30E2545-E23C-4C8F-9EB9-15763DE80D5E}"/>
+              </a:ext>
+            </a:extLst>
+          </p:cNvPr>
+          <p:cNvPicPr>
+            <a:picLocks noChangeAspect="1"/>
+          </p:cNvPicPr>
+          <p:nvPr/>
+        </p:nvPicPr>
+        <p:blipFill>
+          <a:blip r:embed="rId2"/>
+          <a:stretch>
+            <a:fillRect/>
+          </a:stretch>
+        </p:blipFill>
+        <p:spPr>
+          <a:xfrm>
+            <a:off x="712890" y="3739978"/>
+            <a:ext cx="10640910" cy="905001"/>
+          </a:xfrm>
+          <a:prstGeom prst="rect">
+            <a:avLst/>
+          </a:prstGeom>
+        </p:spPr>
+      </p:pic>
+    </p:spTree>
+    <p:extLst>
+      <p:ext uri="{BB962C8B-B14F-4D97-AF65-F5344CB8AC3E}">
+        <p14:creationId xmlns:p14="http://schemas.microsoft.com/office/powerpoint/2010/main" val="3221205592"/>
+      </p:ext>
+    </p:extLst>
+  </p:cSld>
+  <p:clrMapOvr>
+    <a:masterClrMapping/>
+  </p:clrMapOvr>
+</p:sld>
+</file>
+
 <file path=ppt/slides/slide2.xml><?xml version="1.0" encoding="utf-8"?>
 <p:sld xmlns:a="http://schemas.openxmlformats.org/drawingml/2006/main" xmlns:r="http://schemas.openxmlformats.org/officeDocument/2006/relationships" xmlns:p="http://schemas.openxmlformats.org/presentationml/2006/main">
   <p:cSld>
@@ -3713,6 +5223,293 @@
 </p:sld>
 </file>
 
+<file path=ppt/slides/slide20.xml><?xml version="1.0" encoding="utf-8"?>
+<p:sld xmlns:a="http://schemas.openxmlformats.org/drawingml/2006/main" xmlns:r="http://schemas.openxmlformats.org/officeDocument/2006/relationships" xmlns:p="http://schemas.openxmlformats.org/presentationml/2006/main">
+  <p:cSld>
+    <p:spTree>
+      <p:nvGrpSpPr>
+        <p:cNvPr id="1" name=""/>
+        <p:cNvGrpSpPr/>
+        <p:nvPr/>
+      </p:nvGrpSpPr>
+      <p:grpSpPr>
+        <a:xfrm>
+          <a:off x="0" y="0"/>
+          <a:ext cx="0" cy="0"/>
+          <a:chOff x="0" y="0"/>
+          <a:chExt cx="0" cy="0"/>
+        </a:xfrm>
+      </p:grpSpPr>
+      <p:sp>
+        <p:nvSpPr>
+          <p:cNvPr id="2" name="Title 1">
+            <a:extLst>
+              <a:ext uri="{FF2B5EF4-FFF2-40B4-BE49-F238E27FC236}">
+                <a16:creationId xmlns:a16="http://schemas.microsoft.com/office/drawing/2014/main" id="{5904166F-449D-4167-B859-24B6888D9018}"/>
+              </a:ext>
+            </a:extLst>
+          </p:cNvPr>
+          <p:cNvSpPr>
+            <a:spLocks noGrp="1"/>
+          </p:cNvSpPr>
+          <p:nvPr>
+            <p:ph type="title"/>
+          </p:nvPr>
+        </p:nvSpPr>
+        <p:spPr/>
+        <p:txBody>
+          <a:bodyPr/>
+          <a:lstStyle/>
+          <a:p>
+            <a:r>
+              <a:rPr lang="en-US" sz="5400" b="1" cap="none" spc="0" dirty="0">
+                <a:ln w="0"/>
+                <a:gradFill>
+                  <a:gsLst>
+                    <a:gs pos="0">
+                      <a:schemeClr val="accent5">
+                        <a:lumMod val="50000"/>
+                      </a:schemeClr>
+                    </a:gs>
+                    <a:gs pos="50000">
+                      <a:schemeClr val="accent5"/>
+                    </a:gs>
+                    <a:gs pos="100000">
+                      <a:schemeClr val="accent5">
+                        <a:lumMod val="60000"/>
+                        <a:lumOff val="40000"/>
+                      </a:schemeClr>
+                    </a:gs>
+                  </a:gsLst>
+                  <a:lin ang="5400000"/>
+                </a:gradFill>
+                <a:effectLst>
+                  <a:reflection blurRad="6350" stA="53000" endA="300" endPos="35500" dir="5400000" sy="-90000" algn="bl" rotWithShape="0"/>
+                </a:effectLst>
+              </a:rPr>
+              <a:t>Model</a:t>
+            </a:r>
+            <a:endParaRPr lang="en-IN" dirty="0"/>
+          </a:p>
+        </p:txBody>
+      </p:sp>
+      <p:sp>
+        <p:nvSpPr>
+          <p:cNvPr id="3" name="Content Placeholder 2">
+            <a:extLst>
+              <a:ext uri="{FF2B5EF4-FFF2-40B4-BE49-F238E27FC236}">
+                <a16:creationId xmlns:a16="http://schemas.microsoft.com/office/drawing/2014/main" id="{4CCEC875-D039-432C-859D-E850E7702EDD}"/>
+              </a:ext>
+            </a:extLst>
+          </p:cNvPr>
+          <p:cNvSpPr>
+            <a:spLocks noGrp="1"/>
+          </p:cNvSpPr>
+          <p:nvPr>
+            <p:ph idx="1"/>
+          </p:nvPr>
+        </p:nvSpPr>
+        <p:spPr/>
+        <p:txBody>
+          <a:bodyPr/>
+          <a:lstStyle/>
+          <a:p>
+            <a:pPr marL="0" indent="0">
+              <a:buNone/>
+            </a:pPr>
+            <a:r>
+              <a:rPr lang="en-US" dirty="0"/>
+              <a:t>To see how goodness of fit of our model we will find RMSE score for the model, which is 148.095. Although we can’t say the model is giving good result.</a:t>
+            </a:r>
+            <a:endParaRPr lang="en-IN" dirty="0"/>
+          </a:p>
+        </p:txBody>
+      </p:sp>
+      <p:pic>
+        <p:nvPicPr>
+          <p:cNvPr id="6" name="Picture 5">
+            <a:extLst>
+              <a:ext uri="{FF2B5EF4-FFF2-40B4-BE49-F238E27FC236}">
+                <a16:creationId xmlns:a16="http://schemas.microsoft.com/office/drawing/2014/main" id="{51503DFC-9A59-4229-B2E3-47258B25A553}"/>
+              </a:ext>
+            </a:extLst>
+          </p:cNvPr>
+          <p:cNvPicPr>
+            <a:picLocks noChangeAspect="1"/>
+          </p:cNvPicPr>
+          <p:nvPr/>
+        </p:nvPicPr>
+        <p:blipFill>
+          <a:blip r:embed="rId2"/>
+          <a:stretch>
+            <a:fillRect/>
+          </a:stretch>
+        </p:blipFill>
+        <p:spPr>
+          <a:xfrm>
+            <a:off x="594804" y="3588798"/>
+            <a:ext cx="11353800" cy="1430797"/>
+          </a:xfrm>
+          <a:prstGeom prst="rect">
+            <a:avLst/>
+          </a:prstGeom>
+        </p:spPr>
+      </p:pic>
+    </p:spTree>
+    <p:extLst>
+      <p:ext uri="{BB962C8B-B14F-4D97-AF65-F5344CB8AC3E}">
+        <p14:creationId xmlns:p14="http://schemas.microsoft.com/office/powerpoint/2010/main" val="48556034"/>
+      </p:ext>
+    </p:extLst>
+  </p:cSld>
+  <p:clrMapOvr>
+    <a:masterClrMapping/>
+  </p:clrMapOvr>
+</p:sld>
+</file>
+
+<file path=ppt/slides/slide21.xml><?xml version="1.0" encoding="utf-8"?>
+<p:sld xmlns:a="http://schemas.openxmlformats.org/drawingml/2006/main" xmlns:r="http://schemas.openxmlformats.org/officeDocument/2006/relationships" xmlns:p="http://schemas.openxmlformats.org/presentationml/2006/main">
+  <p:cSld>
+    <p:spTree>
+      <p:nvGrpSpPr>
+        <p:cNvPr id="1" name=""/>
+        <p:cNvGrpSpPr/>
+        <p:nvPr/>
+      </p:nvGrpSpPr>
+      <p:grpSpPr>
+        <a:xfrm>
+          <a:off x="0" y="0"/>
+          <a:ext cx="0" cy="0"/>
+          <a:chOff x="0" y="0"/>
+          <a:chExt cx="0" cy="0"/>
+        </a:xfrm>
+      </p:grpSpPr>
+      <p:sp>
+        <p:nvSpPr>
+          <p:cNvPr id="3" name="Content Placeholder 2">
+            <a:extLst>
+              <a:ext uri="{FF2B5EF4-FFF2-40B4-BE49-F238E27FC236}">
+                <a16:creationId xmlns:a16="http://schemas.microsoft.com/office/drawing/2014/main" id="{6E807931-B011-42D7-9BF8-BAF632010CAC}"/>
+              </a:ext>
+            </a:extLst>
+          </p:cNvPr>
+          <p:cNvSpPr>
+            <a:spLocks noGrp="1"/>
+          </p:cNvSpPr>
+          <p:nvPr>
+            <p:ph idx="1"/>
+          </p:nvPr>
+        </p:nvSpPr>
+        <p:spPr/>
+        <p:txBody>
+          <a:bodyPr>
+            <a:normAutofit/>
+          </a:bodyPr>
+          <a:lstStyle/>
+          <a:p>
+            <a:pPr marL="0" indent="0">
+              <a:buNone/>
+            </a:pPr>
+            <a:r>
+              <a:rPr lang="en-US" sz="2400" dirty="0"/>
+              <a:t>We used 3 Model techniques to predict the Sales Price of the product. But all the predictions are way far than actual values. Probably the cause are:</a:t>
+            </a:r>
+          </a:p>
+          <a:p>
+            <a:r>
+              <a:rPr lang="en-US" sz="2400" dirty="0"/>
+              <a:t>The features we selected are not so relevant to predict the Sales price</a:t>
+            </a:r>
+          </a:p>
+          <a:p>
+            <a:r>
+              <a:rPr lang="en-US" sz="2400" dirty="0"/>
+              <a:t>Maybe people have different tastes, or any other events might the cause which can’t be captured or explained.</a:t>
+            </a:r>
+          </a:p>
+          <a:p>
+            <a:r>
+              <a:rPr lang="en-US" sz="2400" dirty="0"/>
+              <a:t>Probably we can use the competitor's data to predict the market.</a:t>
+            </a:r>
+            <a:endParaRPr lang="en-IN" sz="2400" dirty="0"/>
+          </a:p>
+        </p:txBody>
+      </p:sp>
+      <p:sp>
+        <p:nvSpPr>
+          <p:cNvPr id="6" name="Rectangle 5">
+            <a:extLst>
+              <a:ext uri="{FF2B5EF4-FFF2-40B4-BE49-F238E27FC236}">
+                <a16:creationId xmlns:a16="http://schemas.microsoft.com/office/drawing/2014/main" id="{08D989D2-9E70-45EA-85BC-B423A1039ED1}"/>
+              </a:ext>
+            </a:extLst>
+          </p:cNvPr>
+          <p:cNvSpPr/>
+          <p:nvPr/>
+        </p:nvSpPr>
+        <p:spPr>
+          <a:xfrm>
+            <a:off x="838200" y="446076"/>
+            <a:ext cx="3257623" cy="923330"/>
+          </a:xfrm>
+          <a:prstGeom prst="rect">
+            <a:avLst/>
+          </a:prstGeom>
+          <a:noFill/>
+        </p:spPr>
+        <p:txBody>
+          <a:bodyPr wrap="none" lIns="91440" tIns="45720" rIns="91440" bIns="45720">
+            <a:spAutoFit/>
+          </a:bodyPr>
+          <a:lstStyle/>
+          <a:p>
+            <a:pPr algn="ctr"/>
+            <a:r>
+              <a:rPr lang="en-US" sz="5400" b="0" cap="none" spc="0" dirty="0">
+                <a:ln w="0"/>
+                <a:gradFill>
+                  <a:gsLst>
+                    <a:gs pos="0">
+                      <a:schemeClr val="accent5">
+                        <a:lumMod val="50000"/>
+                      </a:schemeClr>
+                    </a:gs>
+                    <a:gs pos="50000">
+                      <a:schemeClr val="accent5"/>
+                    </a:gs>
+                    <a:gs pos="100000">
+                      <a:schemeClr val="accent5">
+                        <a:lumMod val="60000"/>
+                        <a:lumOff val="40000"/>
+                      </a:schemeClr>
+                    </a:gs>
+                  </a:gsLst>
+                  <a:lin ang="5400000"/>
+                </a:gradFill>
+                <a:effectLst>
+                  <a:reflection blurRad="6350" stA="53000" endA="300" endPos="35500" dir="5400000" sy="-90000" algn="bl" rotWithShape="0"/>
+                </a:effectLst>
+              </a:rPr>
+              <a:t>Conclusion</a:t>
+            </a:r>
+          </a:p>
+        </p:txBody>
+      </p:sp>
+    </p:spTree>
+    <p:extLst>
+      <p:ext uri="{BB962C8B-B14F-4D97-AF65-F5344CB8AC3E}">
+        <p14:creationId xmlns:p14="http://schemas.microsoft.com/office/powerpoint/2010/main" val="1271581200"/>
+      </p:ext>
+    </p:extLst>
+  </p:cSld>
+  <p:clrMapOvr>
+    <a:masterClrMapping/>
+  </p:clrMapOvr>
+</p:sld>
+</file>
+
 <file path=ppt/slides/slide3.xml><?xml version="1.0" encoding="utf-8"?>
 <p:sld xmlns:a="http://schemas.openxmlformats.org/drawingml/2006/main" xmlns:r="http://schemas.openxmlformats.org/officeDocument/2006/relationships" xmlns:p="http://schemas.openxmlformats.org/presentationml/2006/main">
   <p:cSld>
@@ -3765,7 +5562,7 @@
                   </a:schemeClr>
                 </a:solidFill>
               </a:rPr>
-              <a:t>Best Buy's easy-to-use catalog of APIs gives users access to a wide range of data across the history of BestBuy.com, including product, store, category and more.</a:t>
+              <a:t>Best Buy's catalog of APIs gives users access to a wide range of data across the history of BestBuy.com, including product, store, category and more.</a:t>
             </a:r>
           </a:p>
           <a:p>
@@ -3942,6 +5739,123 @@
 </file>
 
 <file path=ppt/slides/slide4.xml><?xml version="1.0" encoding="utf-8"?>
+<p:sld xmlns:a="http://schemas.openxmlformats.org/drawingml/2006/main" xmlns:r="http://schemas.openxmlformats.org/officeDocument/2006/relationships" xmlns:p="http://schemas.openxmlformats.org/presentationml/2006/main">
+  <p:cSld>
+    <p:spTree>
+      <p:nvGrpSpPr>
+        <p:cNvPr id="1" name=""/>
+        <p:cNvGrpSpPr/>
+        <p:nvPr/>
+      </p:nvGrpSpPr>
+      <p:grpSpPr>
+        <a:xfrm>
+          <a:off x="0" y="0"/>
+          <a:ext cx="0" cy="0"/>
+          <a:chOff x="0" y="0"/>
+          <a:chExt cx="0" cy="0"/>
+        </a:xfrm>
+      </p:grpSpPr>
+      <p:sp>
+        <p:nvSpPr>
+          <p:cNvPr id="2" name="Title 1">
+            <a:extLst>
+              <a:ext uri="{FF2B5EF4-FFF2-40B4-BE49-F238E27FC236}">
+                <a16:creationId xmlns:a16="http://schemas.microsoft.com/office/drawing/2014/main" id="{1973B52B-D2AE-4228-A58D-EF490F728DF3}"/>
+              </a:ext>
+            </a:extLst>
+          </p:cNvPr>
+          <p:cNvSpPr>
+            <a:spLocks noGrp="1"/>
+          </p:cNvSpPr>
+          <p:nvPr>
+            <p:ph type="title"/>
+          </p:nvPr>
+        </p:nvSpPr>
+        <p:spPr/>
+        <p:txBody>
+          <a:bodyPr>
+            <a:normAutofit/>
+          </a:bodyPr>
+          <a:lstStyle/>
+          <a:p>
+            <a:r>
+              <a:rPr lang="en-US" sz="5400" b="0" cap="none" spc="0" dirty="0">
+                <a:ln w="0"/>
+                <a:gradFill>
+                  <a:gsLst>
+                    <a:gs pos="0">
+                      <a:schemeClr val="accent5">
+                        <a:lumMod val="50000"/>
+                      </a:schemeClr>
+                    </a:gs>
+                    <a:gs pos="50000">
+                      <a:schemeClr val="accent5"/>
+                    </a:gs>
+                    <a:gs pos="100000">
+                      <a:schemeClr val="accent5">
+                        <a:lumMod val="60000"/>
+                        <a:lumOff val="40000"/>
+                      </a:schemeClr>
+                    </a:gs>
+                  </a:gsLst>
+                  <a:lin ang="5400000"/>
+                </a:gradFill>
+                <a:effectLst>
+                  <a:reflection blurRad="6350" stA="53000" endA="300" endPos="35500" dir="5400000" sy="-90000" algn="bl" rotWithShape="0"/>
+                </a:effectLst>
+              </a:rPr>
+              <a:t>Business Problem</a:t>
+            </a:r>
+            <a:endParaRPr lang="en-IN" sz="5400" dirty="0"/>
+          </a:p>
+        </p:txBody>
+      </p:sp>
+      <p:sp>
+        <p:nvSpPr>
+          <p:cNvPr id="3" name="Content Placeholder 2">
+            <a:extLst>
+              <a:ext uri="{FF2B5EF4-FFF2-40B4-BE49-F238E27FC236}">
+                <a16:creationId xmlns:a16="http://schemas.microsoft.com/office/drawing/2014/main" id="{480BC9D7-94AC-4CF2-86E6-668728BAD53C}"/>
+              </a:ext>
+            </a:extLst>
+          </p:cNvPr>
+          <p:cNvSpPr>
+            <a:spLocks noGrp="1"/>
+          </p:cNvSpPr>
+          <p:nvPr>
+            <p:ph idx="1"/>
+          </p:nvPr>
+        </p:nvSpPr>
+        <p:spPr/>
+        <p:txBody>
+          <a:bodyPr/>
+          <a:lstStyle/>
+          <a:p>
+            <a:pPr marL="0" indent="0">
+              <a:buNone/>
+            </a:pPr>
+            <a:r>
+              <a:rPr lang="en-US" dirty="0"/>
+              <a:t>Best Buy is trying to find out the products which could Have high Sales price also it want to look into the features which are significantly affecting the price of the product. It has lager amount of database as well although don’t have a market data (competitors).</a:t>
+            </a:r>
+            <a:endParaRPr lang="en-IN" dirty="0"/>
+          </a:p>
+        </p:txBody>
+      </p:sp>
+    </p:spTree>
+    <p:extLst>
+      <p:ext uri="{BB962C8B-B14F-4D97-AF65-F5344CB8AC3E}">
+        <p14:creationId xmlns:p14="http://schemas.microsoft.com/office/powerpoint/2010/main" val="1432346702"/>
+      </p:ext>
+    </p:extLst>
+  </p:cSld>
+  <p:clrMapOvr>
+    <a:masterClrMapping/>
+  </p:clrMapOvr>
+</p:sld>
+</file>
+
+<file path=ppt/slides/slide5.xml><?xml version="1.0" encoding="utf-8"?>
 <p:sld xmlns:a="http://schemas.openxmlformats.org/drawingml/2006/main" xmlns:r="http://schemas.openxmlformats.org/officeDocument/2006/relationships" xmlns:p="http://schemas.openxmlformats.org/presentationml/2006/main">
   <p:cSld>
     <p:spTree>
@@ -4100,7 +6014,7 @@
 </p:sld>
 </file>
 
-<file path=ppt/slides/slide5.xml><?xml version="1.0" encoding="utf-8"?>
+<file path=ppt/slides/slide6.xml><?xml version="1.0" encoding="utf-8"?>
 <p:sld xmlns:a="http://schemas.openxmlformats.org/drawingml/2006/main" xmlns:r="http://schemas.openxmlformats.org/officeDocument/2006/relationships" xmlns:p="http://schemas.openxmlformats.org/presentationml/2006/main">
   <p:cSld>
     <p:spTree>
@@ -4268,7 +6182,7 @@
 </p:sld>
 </file>
 
-<file path=ppt/slides/slide6.xml><?xml version="1.0" encoding="utf-8"?>
+<file path=ppt/slides/slide7.xml><?xml version="1.0" encoding="utf-8"?>
 <p:sld xmlns:a="http://schemas.openxmlformats.org/drawingml/2006/main" xmlns:r="http://schemas.openxmlformats.org/officeDocument/2006/relationships" xmlns:p="http://schemas.openxmlformats.org/presentationml/2006/main">
   <p:cSld>
     <p:spTree>
@@ -4348,8 +6262,12 @@
               <a:buNone/>
             </a:pPr>
             <a:r>
+              <a:rPr lang="en-IN" sz="2400" b="1" dirty="0"/>
+              <a:t>Name: </a:t>
+            </a:r>
+            <a:r>
               <a:rPr lang="en-IN" sz="2400" dirty="0"/>
-              <a:t>Name: Product name</a:t>
+              <a:t>Product name</a:t>
             </a:r>
           </a:p>
           <a:p>
@@ -4357,7 +6275,7 @@
               <a:buNone/>
             </a:pPr>
             <a:r>
-              <a:rPr lang="en-IN" sz="2400" dirty="0"/>
+              <a:rPr lang="en-IN" sz="2400" b="1" dirty="0"/>
               <a:t>Condition: </a:t>
             </a:r>
             <a:r>
@@ -4370,8 +6288,12 @@
               <a:buNone/>
             </a:pPr>
             <a:r>
+              <a:rPr lang="en-US" sz="2400" b="1" dirty="0"/>
+              <a:t>Online Availability: </a:t>
+            </a:r>
+            <a:r>
               <a:rPr lang="en-US" sz="2400" dirty="0"/>
-              <a:t>Online Availability: Identifies if a product can be purchased online</a:t>
+              <a:t>Identifies if a product can be purchased online</a:t>
             </a:r>
             <a:endParaRPr lang="en-IN" sz="2400" dirty="0"/>
           </a:p>
@@ -4478,7 +6400,7 @@
 </p:sld>
 </file>
 
-<file path=ppt/slides/slide7.xml><?xml version="1.0" encoding="utf-8"?>
+<file path=ppt/slides/slide8.xml><?xml version="1.0" encoding="utf-8"?>
 <p:sld xmlns:a="http://schemas.openxmlformats.org/drawingml/2006/main" xmlns:r="http://schemas.openxmlformats.org/officeDocument/2006/relationships" xmlns:p="http://schemas.openxmlformats.org/presentationml/2006/main">
   <p:cSld>
     <p:spTree>
@@ -4568,13 +6490,127 @@
         </p:nvSpPr>
         <p:spPr/>
         <p:txBody>
-          <a:bodyPr/>
+          <a:bodyPr>
+            <a:normAutofit/>
+          </a:bodyPr>
           <a:lstStyle/>
           <a:p>
             <a:pPr marL="0" indent="0">
               <a:buNone/>
             </a:pPr>
-            <a:endParaRPr lang="en-IN"/>
+            <a:r>
+              <a:rPr lang="en-IN" sz="2400" b="1" dirty="0"/>
+              <a:t>Customer Review Average: </a:t>
+            </a:r>
+            <a:r>
+              <a:rPr lang="en-US" sz="2400" dirty="0"/>
+              <a:t>Average “score” or ratings as submitted by reviewers</a:t>
+            </a:r>
+          </a:p>
+          <a:p>
+            <a:pPr marL="0" indent="0">
+              <a:buNone/>
+            </a:pPr>
+            <a:r>
+              <a:rPr lang="en-IN" sz="2400" b="1" dirty="0"/>
+              <a:t>Customer Top Rated: </a:t>
+            </a:r>
+            <a:r>
+              <a:rPr lang="en-US" sz="2400" b="1" dirty="0"/>
+              <a:t>	</a:t>
+            </a:r>
+            <a:r>
+              <a:rPr lang="en-US" sz="2400" dirty="0"/>
+              <a:t>Identifies if the product is top rated based on ratings from reviewers. If the Avg rating &gt;= 4.5 and Qty of ratings &gt;= 15, </a:t>
+            </a:r>
+            <a:r>
+              <a:rPr lang="en-US" sz="2400" dirty="0" err="1"/>
+              <a:t>customerTopRated</a:t>
+            </a:r>
+            <a:r>
+              <a:rPr lang="en-US" sz="2400" dirty="0"/>
+              <a:t> is set to be “true”, else is set to “false”.</a:t>
+            </a:r>
+          </a:p>
+          <a:p>
+            <a:pPr marL="0" indent="0">
+              <a:buNone/>
+            </a:pPr>
+            <a:r>
+              <a:rPr lang="en-US" sz="2400" b="1" dirty="0"/>
+              <a:t>Manufacturer: </a:t>
+            </a:r>
+            <a:r>
+              <a:rPr lang="en-US" sz="2400" dirty="0"/>
+              <a:t>Product manufacturer.</a:t>
+            </a:r>
+          </a:p>
+          <a:p>
+            <a:pPr marL="0" indent="0">
+              <a:buNone/>
+            </a:pPr>
+            <a:r>
+              <a:rPr lang="en-US" sz="2400" b="1" dirty="0"/>
+              <a:t>Warranty Parts: </a:t>
+            </a:r>
+            <a:r>
+              <a:rPr lang="en-US" sz="2400" dirty="0"/>
+              <a:t>Manufacture parts warranty description.</a:t>
+            </a:r>
+          </a:p>
+          <a:p>
+            <a:pPr marL="0" indent="0">
+              <a:buNone/>
+            </a:pPr>
+            <a:r>
+              <a:rPr lang="en-US" sz="2400" b="1" dirty="0"/>
+              <a:t>On-Sale: </a:t>
+            </a:r>
+            <a:r>
+              <a:rPr lang="en-US" sz="2400" dirty="0"/>
+              <a:t>Identifies if sale price is less than regular price.</a:t>
+            </a:r>
+          </a:p>
+          <a:p>
+            <a:pPr marL="0" indent="0">
+              <a:buNone/>
+            </a:pPr>
+            <a:endParaRPr lang="en-US" sz="2400" dirty="0"/>
+          </a:p>
+          <a:p>
+            <a:pPr marL="0" indent="0">
+              <a:buNone/>
+            </a:pPr>
+            <a:r>
+              <a:rPr lang="en-US" sz="2400" b="1" dirty="0"/>
+              <a:t>Sales Price: </a:t>
+            </a:r>
+            <a:r>
+              <a:rPr lang="en-US" sz="2400" dirty="0"/>
+              <a:t>Current item selling price. It is also our </a:t>
+            </a:r>
+            <a:r>
+              <a:rPr lang="en-US" sz="2400" i="1" dirty="0"/>
+              <a:t>Predicting variable.</a:t>
+            </a:r>
+          </a:p>
+          <a:p>
+            <a:pPr marL="0" indent="0">
+              <a:buNone/>
+            </a:pPr>
+            <a:endParaRPr lang="en-US" sz="2400" dirty="0"/>
+          </a:p>
+          <a:p>
+            <a:pPr marL="0" indent="0">
+              <a:buNone/>
+            </a:pPr>
+            <a:endParaRPr lang="en-US" sz="2400" dirty="0"/>
+          </a:p>
+          <a:p>
+            <a:pPr marL="0" indent="0">
+              <a:buNone/>
+            </a:pPr>
+            <a:endParaRPr lang="en-IN" sz="2400" dirty="0"/>
           </a:p>
         </p:txBody>
       </p:sp>
@@ -4582,6 +6618,160 @@
     <p:extLst>
       <p:ext uri="{BB962C8B-B14F-4D97-AF65-F5344CB8AC3E}">
         <p14:creationId xmlns:p14="http://schemas.microsoft.com/office/powerpoint/2010/main" val="3382426592"/>
+      </p:ext>
+    </p:extLst>
+  </p:cSld>
+  <p:clrMapOvr>
+    <a:masterClrMapping/>
+  </p:clrMapOvr>
+</p:sld>
+</file>
+
+<file path=ppt/slides/slide9.xml><?xml version="1.0" encoding="utf-8"?>
+<p:sld xmlns:a="http://schemas.openxmlformats.org/drawingml/2006/main" xmlns:r="http://schemas.openxmlformats.org/officeDocument/2006/relationships" xmlns:p="http://schemas.openxmlformats.org/presentationml/2006/main">
+  <p:cSld>
+    <p:spTree>
+      <p:nvGrpSpPr>
+        <p:cNvPr id="1" name=""/>
+        <p:cNvGrpSpPr/>
+        <p:nvPr/>
+      </p:nvGrpSpPr>
+      <p:grpSpPr>
+        <a:xfrm>
+          <a:off x="0" y="0"/>
+          <a:ext cx="0" cy="0"/>
+          <a:chOff x="0" y="0"/>
+          <a:chExt cx="0" cy="0"/>
+        </a:xfrm>
+      </p:grpSpPr>
+      <p:sp>
+        <p:nvSpPr>
+          <p:cNvPr id="2" name="Title 1">
+            <a:extLst>
+              <a:ext uri="{FF2B5EF4-FFF2-40B4-BE49-F238E27FC236}">
+                <a16:creationId xmlns:a16="http://schemas.microsoft.com/office/drawing/2014/main" id="{8B723294-04FF-4187-A3DF-5B83C48E7D10}"/>
+              </a:ext>
+            </a:extLst>
+          </p:cNvPr>
+          <p:cNvSpPr>
+            <a:spLocks noGrp="1"/>
+          </p:cNvSpPr>
+          <p:nvPr>
+            <p:ph type="title"/>
+          </p:nvPr>
+        </p:nvSpPr>
+        <p:spPr/>
+        <p:txBody>
+          <a:bodyPr/>
+          <a:lstStyle/>
+          <a:p>
+            <a:r>
+              <a:rPr lang="en-US" sz="5400" b="0" cap="none" spc="0" dirty="0">
+                <a:ln w="0"/>
+                <a:gradFill>
+                  <a:gsLst>
+                    <a:gs pos="0">
+                      <a:schemeClr val="accent5">
+                        <a:lumMod val="50000"/>
+                      </a:schemeClr>
+                    </a:gs>
+                    <a:gs pos="50000">
+                      <a:schemeClr val="accent5"/>
+                    </a:gs>
+                    <a:gs pos="100000">
+                      <a:schemeClr val="accent5">
+                        <a:lumMod val="60000"/>
+                        <a:lumOff val="40000"/>
+                      </a:schemeClr>
+                    </a:gs>
+                  </a:gsLst>
+                  <a:lin ang="5400000"/>
+                </a:gradFill>
+                <a:effectLst>
+                  <a:reflection blurRad="6350" stA="53000" endA="300" endPos="35500" dir="5400000" sy="-90000" algn="bl" rotWithShape="0"/>
+                </a:effectLst>
+              </a:rPr>
+              <a:t>Dataset</a:t>
+            </a:r>
+            <a:endParaRPr lang="en-IN" dirty="0"/>
+          </a:p>
+        </p:txBody>
+      </p:sp>
+      <p:sp>
+        <p:nvSpPr>
+          <p:cNvPr id="3" name="Content Placeholder 2">
+            <a:extLst>
+              <a:ext uri="{FF2B5EF4-FFF2-40B4-BE49-F238E27FC236}">
+                <a16:creationId xmlns:a16="http://schemas.microsoft.com/office/drawing/2014/main" id="{FCFCA46D-9A53-46C9-A745-F1A31C2C7441}"/>
+              </a:ext>
+            </a:extLst>
+          </p:cNvPr>
+          <p:cNvSpPr>
+            <a:spLocks noGrp="1"/>
+          </p:cNvSpPr>
+          <p:nvPr>
+            <p:ph idx="1"/>
+          </p:nvPr>
+        </p:nvSpPr>
+        <p:spPr/>
+        <p:txBody>
+          <a:bodyPr/>
+          <a:lstStyle/>
+          <a:p>
+            <a:pPr marL="0" indent="0">
+              <a:buNone/>
+            </a:pPr>
+            <a:r>
+              <a:rPr lang="en-US" dirty="0"/>
+              <a:t>In JSON file we will find all these mentioned details in product dictionary. We must extract it out and feed it into Database.</a:t>
+            </a:r>
+          </a:p>
+          <a:p>
+            <a:pPr marL="0" indent="0">
+              <a:buNone/>
+            </a:pPr>
+            <a:r>
+              <a:rPr lang="en-US" dirty="0"/>
+              <a:t>  </a:t>
+            </a:r>
+            <a:endParaRPr lang="en-IN" dirty="0"/>
+          </a:p>
+        </p:txBody>
+      </p:sp>
+      <p:pic>
+        <p:nvPicPr>
+          <p:cNvPr id="7" name="Picture 6">
+            <a:extLst>
+              <a:ext uri="{FF2B5EF4-FFF2-40B4-BE49-F238E27FC236}">
+                <a16:creationId xmlns:a16="http://schemas.microsoft.com/office/drawing/2014/main" id="{5AA071C3-0CAD-4CAA-BE87-DC423D45E28C}"/>
+              </a:ext>
+            </a:extLst>
+          </p:cNvPr>
+          <p:cNvPicPr>
+            <a:picLocks noChangeAspect="1"/>
+          </p:cNvPicPr>
+          <p:nvPr/>
+        </p:nvPicPr>
+        <p:blipFill>
+          <a:blip r:embed="rId2"/>
+          <a:stretch>
+            <a:fillRect/>
+          </a:stretch>
+        </p:blipFill>
+        <p:spPr>
+          <a:xfrm>
+            <a:off x="1037548" y="3168186"/>
+            <a:ext cx="9697803" cy="3324689"/>
+          </a:xfrm>
+          <a:prstGeom prst="rect">
+            <a:avLst/>
+          </a:prstGeom>
+        </p:spPr>
+      </p:pic>
+    </p:spTree>
+    <p:extLst>
+      <p:ext uri="{BB962C8B-B14F-4D97-AF65-F5344CB8AC3E}">
+        <p14:creationId xmlns:p14="http://schemas.microsoft.com/office/powerpoint/2010/main" val="475446490"/>
       </p:ext>
     </p:extLst>
   </p:cSld>
